--- a/Eager/paper/figure_designs.pptx
+++ b/Eager/paper/figure_designs.pptx
@@ -289,7 +289,7 @@
           <a:p>
             <a:fld id="{BA2525F1-6A85-1A4B-AC36-5BBBCEC4E866}" type="datetimeFigureOut">
               <a:rPr lang="en-US" smtClean="0"/>
-              <a:t>4/22/14</a:t>
+              <a:t>4/29/14</a:t>
             </a:fld>
             <a:endParaRPr lang="en-US"/>
           </a:p>
@@ -459,7 +459,7 @@
           <a:p>
             <a:fld id="{BA2525F1-6A85-1A4B-AC36-5BBBCEC4E866}" type="datetimeFigureOut">
               <a:rPr lang="en-US" smtClean="0"/>
-              <a:t>4/22/14</a:t>
+              <a:t>4/29/14</a:t>
             </a:fld>
             <a:endParaRPr lang="en-US"/>
           </a:p>
@@ -639,7 +639,7 @@
           <a:p>
             <a:fld id="{BA2525F1-6A85-1A4B-AC36-5BBBCEC4E866}" type="datetimeFigureOut">
               <a:rPr lang="en-US" smtClean="0"/>
-              <a:t>4/22/14</a:t>
+              <a:t>4/29/14</a:t>
             </a:fld>
             <a:endParaRPr lang="en-US"/>
           </a:p>
@@ -809,7 +809,7 @@
           <a:p>
             <a:fld id="{BA2525F1-6A85-1A4B-AC36-5BBBCEC4E866}" type="datetimeFigureOut">
               <a:rPr lang="en-US" smtClean="0"/>
-              <a:t>4/22/14</a:t>
+              <a:t>4/29/14</a:t>
             </a:fld>
             <a:endParaRPr lang="en-US"/>
           </a:p>
@@ -1055,7 +1055,7 @@
           <a:p>
             <a:fld id="{BA2525F1-6A85-1A4B-AC36-5BBBCEC4E866}" type="datetimeFigureOut">
               <a:rPr lang="en-US" smtClean="0"/>
-              <a:t>4/22/14</a:t>
+              <a:t>4/29/14</a:t>
             </a:fld>
             <a:endParaRPr lang="en-US"/>
           </a:p>
@@ -1343,7 +1343,7 @@
           <a:p>
             <a:fld id="{BA2525F1-6A85-1A4B-AC36-5BBBCEC4E866}" type="datetimeFigureOut">
               <a:rPr lang="en-US" smtClean="0"/>
-              <a:t>4/22/14</a:t>
+              <a:t>4/29/14</a:t>
             </a:fld>
             <a:endParaRPr lang="en-US"/>
           </a:p>
@@ -1765,7 +1765,7 @@
           <a:p>
             <a:fld id="{BA2525F1-6A85-1A4B-AC36-5BBBCEC4E866}" type="datetimeFigureOut">
               <a:rPr lang="en-US" smtClean="0"/>
-              <a:t>4/22/14</a:t>
+              <a:t>4/29/14</a:t>
             </a:fld>
             <a:endParaRPr lang="en-US"/>
           </a:p>
@@ -1883,7 +1883,7 @@
           <a:p>
             <a:fld id="{BA2525F1-6A85-1A4B-AC36-5BBBCEC4E866}" type="datetimeFigureOut">
               <a:rPr lang="en-US" smtClean="0"/>
-              <a:t>4/22/14</a:t>
+              <a:t>4/29/14</a:t>
             </a:fld>
             <a:endParaRPr lang="en-US"/>
           </a:p>
@@ -1978,7 +1978,7 @@
           <a:p>
             <a:fld id="{BA2525F1-6A85-1A4B-AC36-5BBBCEC4E866}" type="datetimeFigureOut">
               <a:rPr lang="en-US" smtClean="0"/>
-              <a:t>4/22/14</a:t>
+              <a:t>4/29/14</a:t>
             </a:fld>
             <a:endParaRPr lang="en-US"/>
           </a:p>
@@ -2255,7 +2255,7 @@
           <a:p>
             <a:fld id="{BA2525F1-6A85-1A4B-AC36-5BBBCEC4E866}" type="datetimeFigureOut">
               <a:rPr lang="en-US" smtClean="0"/>
-              <a:t>4/22/14</a:t>
+              <a:t>4/29/14</a:t>
             </a:fld>
             <a:endParaRPr lang="en-US"/>
           </a:p>
@@ -2508,7 +2508,7 @@
           <a:p>
             <a:fld id="{BA2525F1-6A85-1A4B-AC36-5BBBCEC4E866}" type="datetimeFigureOut">
               <a:rPr lang="en-US" smtClean="0"/>
-              <a:t>4/22/14</a:t>
+              <a:t>4/29/14</a:t>
             </a:fld>
             <a:endParaRPr lang="en-US"/>
           </a:p>
@@ -2721,7 +2721,7 @@
           <a:p>
             <a:fld id="{BA2525F1-6A85-1A4B-AC36-5BBBCEC4E866}" type="datetimeFigureOut">
               <a:rPr lang="en-US" smtClean="0"/>
-              <a:t>4/22/14</a:t>
+              <a:t>4/29/14</a:t>
             </a:fld>
             <a:endParaRPr lang="en-US"/>
           </a:p>
@@ -3164,1107 +3164,1127 @@
           <a:chExt cx="0" cy="0"/>
         </a:xfrm>
       </p:grpSpPr>
-      <p:sp>
-        <p:nvSpPr>
-          <p:cNvPr id="4" name="Rectangle 3"/>
-          <p:cNvSpPr/>
+      <p:grpSp>
+        <p:nvGrpSpPr>
+          <p:cNvPr id="2" name="Group 1"/>
+          <p:cNvGrpSpPr/>
           <p:nvPr/>
-        </p:nvSpPr>
-        <p:spPr>
+        </p:nvGrpSpPr>
+        <p:grpSpPr>
           <a:xfrm>
-            <a:off x="458264" y="2474802"/>
-            <a:ext cx="1497349" cy="1034428"/>
+            <a:off x="204271" y="1456855"/>
+            <a:ext cx="8739202" cy="5200596"/>
+            <a:chOff x="204271" y="1456855"/>
+            <a:chExt cx="8739202" cy="5200596"/>
           </a:xfrm>
-          <a:prstGeom prst="rect">
-            <a:avLst/>
-          </a:prstGeom>
-          <a:solidFill>
-            <a:srgbClr val="3366FF"/>
-          </a:solidFill>
-        </p:spPr>
-        <p:style>
-          <a:lnRef idx="1">
-            <a:schemeClr val="accent1"/>
-          </a:lnRef>
-          <a:fillRef idx="3">
-            <a:schemeClr val="accent1"/>
-          </a:fillRef>
-          <a:effectRef idx="2">
-            <a:schemeClr val="accent1"/>
-          </a:effectRef>
-          <a:fontRef idx="minor">
-            <a:schemeClr val="lt1"/>
-          </a:fontRef>
-        </p:style>
-        <p:txBody>
-          <a:bodyPr rtlCol="0" anchor="ctr"/>
-          <a:lstStyle/>
-          <a:p>
-            <a:pPr algn="ctr"/>
-            <a:r>
-              <a:rPr lang="en-US" sz="1400" dirty="0" smtClean="0"/>
-              <a:t>Developer’s Application Deployment Tools</a:t>
-            </a:r>
-            <a:endParaRPr lang="en-US" sz="1400" dirty="0"/>
-          </a:p>
-        </p:txBody>
-      </p:sp>
-      <p:sp>
-        <p:nvSpPr>
-          <p:cNvPr id="5" name="Rectangle 4"/>
-          <p:cNvSpPr/>
-          <p:nvPr/>
-        </p:nvSpPr>
-        <p:spPr>
-          <a:xfrm>
-            <a:off x="2451662" y="2470045"/>
-            <a:ext cx="1497349" cy="1034429"/>
-          </a:xfrm>
-          <a:prstGeom prst="rect">
-            <a:avLst/>
-          </a:prstGeom>
-        </p:spPr>
-        <p:style>
-          <a:lnRef idx="1">
-            <a:schemeClr val="accent1"/>
-          </a:lnRef>
-          <a:fillRef idx="3">
-            <a:schemeClr val="accent1"/>
-          </a:fillRef>
-          <a:effectRef idx="2">
-            <a:schemeClr val="accent1"/>
-          </a:effectRef>
-          <a:fontRef idx="minor">
-            <a:schemeClr val="lt1"/>
-          </a:fontRef>
-        </p:style>
-        <p:txBody>
-          <a:bodyPr rtlCol="0" anchor="ctr"/>
-          <a:lstStyle/>
-          <a:p>
-            <a:pPr algn="ctr"/>
-            <a:r>
-              <a:rPr lang="en-US" sz="1400" dirty="0" smtClean="0"/>
-              <a:t>API Deployment Coordinator</a:t>
-            </a:r>
-            <a:endParaRPr lang="en-US" sz="1400" dirty="0"/>
-          </a:p>
-        </p:txBody>
-      </p:sp>
-      <p:sp>
-        <p:nvSpPr>
-          <p:cNvPr id="6" name="Rectangle 5"/>
-          <p:cNvSpPr/>
-          <p:nvPr/>
-        </p:nvSpPr>
-        <p:spPr>
-          <a:xfrm>
-            <a:off x="4795431" y="2470045"/>
-            <a:ext cx="1502069" cy="1034429"/>
-          </a:xfrm>
-          <a:prstGeom prst="rect">
-            <a:avLst/>
-          </a:prstGeom>
-        </p:spPr>
-        <p:style>
-          <a:lnRef idx="1">
-            <a:schemeClr val="accent1"/>
-          </a:lnRef>
-          <a:fillRef idx="3">
-            <a:schemeClr val="accent1"/>
-          </a:fillRef>
-          <a:effectRef idx="2">
-            <a:schemeClr val="accent1"/>
-          </a:effectRef>
-          <a:fontRef idx="minor">
-            <a:schemeClr val="lt1"/>
-          </a:fontRef>
-        </p:style>
-        <p:txBody>
-          <a:bodyPr rtlCol="0" anchor="ctr"/>
-          <a:lstStyle/>
-          <a:p>
-            <a:pPr algn="ctr"/>
-            <a:r>
-              <a:rPr lang="en-US" sz="1400" dirty="0" smtClean="0"/>
-              <a:t>API Discovery Portal</a:t>
-            </a:r>
-          </a:p>
-          <a:p>
-            <a:pPr algn="ctr"/>
-            <a:r>
-              <a:rPr lang="en-US" sz="1400" dirty="0" smtClean="0"/>
-              <a:t>(API Store)</a:t>
-            </a:r>
-            <a:endParaRPr lang="en-US" sz="1400" dirty="0"/>
-          </a:p>
-        </p:txBody>
-      </p:sp>
-      <p:sp>
-        <p:nvSpPr>
-          <p:cNvPr id="7" name="Rectangle 6"/>
-          <p:cNvSpPr/>
-          <p:nvPr/>
-        </p:nvSpPr>
-        <p:spPr>
-          <a:xfrm>
-            <a:off x="6912173" y="2465317"/>
-            <a:ext cx="1502069" cy="1034429"/>
-          </a:xfrm>
-          <a:prstGeom prst="rect">
-            <a:avLst/>
-          </a:prstGeom>
-        </p:spPr>
-        <p:style>
-          <a:lnRef idx="1">
-            <a:schemeClr val="accent1"/>
-          </a:lnRef>
-          <a:fillRef idx="3">
-            <a:schemeClr val="accent1"/>
-          </a:fillRef>
-          <a:effectRef idx="2">
-            <a:schemeClr val="accent1"/>
-          </a:effectRef>
-          <a:fontRef idx="minor">
-            <a:schemeClr val="lt1"/>
-          </a:fontRef>
-        </p:style>
-        <p:txBody>
-          <a:bodyPr rtlCol="0" anchor="ctr"/>
-          <a:lstStyle/>
-          <a:p>
-            <a:pPr algn="ctr"/>
-            <a:r>
-              <a:rPr lang="en-US" sz="1400" dirty="0" smtClean="0"/>
-              <a:t>API Gateway</a:t>
-            </a:r>
-            <a:endParaRPr lang="en-US" sz="1400" dirty="0"/>
-          </a:p>
-        </p:txBody>
-      </p:sp>
-      <p:sp>
-        <p:nvSpPr>
-          <p:cNvPr id="8" name="Rectangle 7"/>
-          <p:cNvSpPr/>
-          <p:nvPr/>
-        </p:nvSpPr>
-        <p:spPr>
-          <a:xfrm>
-            <a:off x="6912173" y="4530532"/>
-            <a:ext cx="1502069" cy="1034429"/>
-          </a:xfrm>
-          <a:prstGeom prst="rect">
-            <a:avLst/>
-          </a:prstGeom>
-        </p:spPr>
-        <p:style>
-          <a:lnRef idx="1">
-            <a:schemeClr val="accent1"/>
-          </a:lnRef>
-          <a:fillRef idx="3">
-            <a:schemeClr val="accent1"/>
-          </a:fillRef>
-          <a:effectRef idx="2">
-            <a:schemeClr val="accent1"/>
-          </a:effectRef>
-          <a:fontRef idx="minor">
-            <a:schemeClr val="lt1"/>
-          </a:fontRef>
-        </p:style>
-        <p:txBody>
-          <a:bodyPr rtlCol="0" anchor="ctr"/>
-          <a:lstStyle/>
-          <a:p>
-            <a:pPr algn="ctr"/>
-            <a:r>
-              <a:rPr lang="en-US" sz="1400" dirty="0" smtClean="0"/>
-              <a:t>Service Runtime</a:t>
-            </a:r>
-          </a:p>
-          <a:p>
-            <a:pPr algn="ctr"/>
-            <a:r>
-              <a:rPr lang="en-US" sz="1400" dirty="0" smtClean="0"/>
-              <a:t>(App Server)</a:t>
-            </a:r>
-            <a:endParaRPr lang="en-US" sz="1400" dirty="0"/>
-          </a:p>
-        </p:txBody>
-      </p:sp>
-      <p:sp>
-        <p:nvSpPr>
-          <p:cNvPr id="9" name="Rectangle 8"/>
-          <p:cNvSpPr/>
-          <p:nvPr/>
-        </p:nvSpPr>
-        <p:spPr>
-          <a:xfrm>
-            <a:off x="458264" y="4530532"/>
-            <a:ext cx="6127642" cy="1850175"/>
-          </a:xfrm>
-          <a:prstGeom prst="rect">
-            <a:avLst/>
-          </a:prstGeom>
-          <a:noFill/>
-          <a:ln>
+        </p:grpSpPr>
+        <p:sp>
+          <p:nvSpPr>
+            <p:cNvPr id="4" name="Rectangle 3"/>
+            <p:cNvSpPr/>
+            <p:nvPr/>
+          </p:nvSpPr>
+          <p:spPr>
+            <a:xfrm>
+              <a:off x="458264" y="2474802"/>
+              <a:ext cx="1497349" cy="1034428"/>
+            </a:xfrm>
+            <a:prstGeom prst="rect">
+              <a:avLst/>
+            </a:prstGeom>
             <a:solidFill>
-              <a:srgbClr val="0000FF"/>
+              <a:srgbClr val="3366FF"/>
             </a:solidFill>
-          </a:ln>
-        </p:spPr>
-        <p:style>
-          <a:lnRef idx="1">
-            <a:schemeClr val="accent1"/>
-          </a:lnRef>
-          <a:fillRef idx="3">
-            <a:schemeClr val="accent1"/>
-          </a:fillRef>
-          <a:effectRef idx="2">
-            <a:schemeClr val="accent1"/>
-          </a:effectRef>
-          <a:fontRef idx="minor">
-            <a:schemeClr val="lt1"/>
-          </a:fontRef>
-        </p:style>
-        <p:txBody>
-          <a:bodyPr rtlCol="0" anchor="ctr"/>
-          <a:lstStyle/>
-          <a:p>
-            <a:pPr algn="ctr"/>
-            <a:endParaRPr lang="en-US"/>
-          </a:p>
-        </p:txBody>
-      </p:sp>
-      <p:sp>
-        <p:nvSpPr>
-          <p:cNvPr id="10" name="Can 9"/>
-          <p:cNvSpPr/>
-          <p:nvPr/>
-        </p:nvSpPr>
-        <p:spPr>
-          <a:xfrm>
-            <a:off x="620103" y="4726943"/>
-            <a:ext cx="1099833" cy="1126087"/>
-          </a:xfrm>
-          <a:prstGeom prst="can">
-            <a:avLst/>
-          </a:prstGeom>
-        </p:spPr>
-        <p:style>
-          <a:lnRef idx="1">
-            <a:schemeClr val="accent1"/>
-          </a:lnRef>
-          <a:fillRef idx="3">
-            <a:schemeClr val="accent1"/>
-          </a:fillRef>
-          <a:effectRef idx="2">
-            <a:schemeClr val="accent1"/>
-          </a:effectRef>
-          <a:fontRef idx="minor">
-            <a:schemeClr val="lt1"/>
-          </a:fontRef>
-        </p:style>
-        <p:txBody>
-          <a:bodyPr rtlCol="0" anchor="ctr"/>
-          <a:lstStyle/>
-          <a:p>
-            <a:pPr algn="ctr"/>
-            <a:r>
-              <a:rPr lang="en-US" dirty="0" smtClean="0"/>
-              <a:t>Database</a:t>
-            </a:r>
-            <a:endParaRPr lang="en-US" dirty="0"/>
-          </a:p>
-        </p:txBody>
-      </p:sp>
-      <p:sp>
-        <p:nvSpPr>
-          <p:cNvPr id="11" name="Rectangle 10"/>
-          <p:cNvSpPr/>
-          <p:nvPr/>
-        </p:nvSpPr>
-        <p:spPr>
-          <a:xfrm>
-            <a:off x="3580905" y="4726943"/>
-            <a:ext cx="1227111" cy="1126087"/>
-          </a:xfrm>
-          <a:prstGeom prst="rect">
-            <a:avLst/>
-          </a:prstGeom>
-        </p:spPr>
-        <p:style>
-          <a:lnRef idx="1">
-            <a:schemeClr val="accent1"/>
-          </a:lnRef>
-          <a:fillRef idx="3">
-            <a:schemeClr val="accent1"/>
-          </a:fillRef>
-          <a:effectRef idx="2">
-            <a:schemeClr val="accent1"/>
-          </a:effectRef>
-          <a:fontRef idx="minor">
-            <a:schemeClr val="lt1"/>
-          </a:fontRef>
-        </p:style>
-        <p:txBody>
-          <a:bodyPr rtlCol="0" anchor="ctr"/>
-          <a:lstStyle/>
-          <a:p>
-            <a:pPr algn="ctr"/>
-            <a:r>
-              <a:rPr lang="en-US" sz="1400" dirty="0" smtClean="0"/>
-              <a:t>API Key Manager</a:t>
-            </a:r>
-            <a:endParaRPr lang="en-US" sz="1400" dirty="0"/>
-          </a:p>
-        </p:txBody>
-      </p:sp>
-      <p:sp>
-        <p:nvSpPr>
-          <p:cNvPr id="13" name="Can 12"/>
-          <p:cNvSpPr/>
-          <p:nvPr/>
-        </p:nvSpPr>
-        <p:spPr>
-          <a:xfrm>
-            <a:off x="2100504" y="4726943"/>
-            <a:ext cx="1099833" cy="1126087"/>
-          </a:xfrm>
-          <a:prstGeom prst="can">
-            <a:avLst/>
-          </a:prstGeom>
-        </p:spPr>
-        <p:style>
-          <a:lnRef idx="1">
-            <a:schemeClr val="accent1"/>
-          </a:lnRef>
-          <a:fillRef idx="3">
-            <a:schemeClr val="accent1"/>
-          </a:fillRef>
-          <a:effectRef idx="2">
-            <a:schemeClr val="accent1"/>
-          </a:effectRef>
-          <a:fontRef idx="minor">
-            <a:schemeClr val="lt1"/>
-          </a:fontRef>
-        </p:style>
-        <p:txBody>
-          <a:bodyPr rtlCol="0" anchor="ctr"/>
-          <a:lstStyle/>
-          <a:p>
-            <a:pPr algn="ctr"/>
-            <a:r>
-              <a:rPr lang="en-US" dirty="0" smtClean="0"/>
-              <a:t>User Store</a:t>
-            </a:r>
-            <a:endParaRPr lang="en-US" dirty="0"/>
-          </a:p>
-        </p:txBody>
-      </p:sp>
-      <p:sp>
-        <p:nvSpPr>
-          <p:cNvPr id="15" name="Rectangle 14"/>
-          <p:cNvSpPr/>
-          <p:nvPr/>
-        </p:nvSpPr>
-        <p:spPr>
-          <a:xfrm>
-            <a:off x="5188583" y="4726943"/>
-            <a:ext cx="1227111" cy="1126087"/>
-          </a:xfrm>
-          <a:prstGeom prst="rect">
-            <a:avLst/>
-          </a:prstGeom>
-        </p:spPr>
-        <p:style>
-          <a:lnRef idx="1">
-            <a:schemeClr val="accent1"/>
-          </a:lnRef>
-          <a:fillRef idx="3">
-            <a:schemeClr val="accent1"/>
-          </a:fillRef>
-          <a:effectRef idx="2">
-            <a:schemeClr val="accent1"/>
-          </a:effectRef>
-          <a:fontRef idx="minor">
-            <a:schemeClr val="lt1"/>
-          </a:fontRef>
-        </p:style>
-        <p:txBody>
-          <a:bodyPr rtlCol="0" anchor="ctr"/>
-          <a:lstStyle/>
-          <a:p>
-            <a:pPr algn="ctr"/>
-            <a:r>
-              <a:rPr lang="en-US" sz="1400" dirty="0" smtClean="0"/>
-              <a:t>API Dependency Tree</a:t>
-            </a:r>
-            <a:endParaRPr lang="en-US" sz="1400" dirty="0"/>
-          </a:p>
-        </p:txBody>
-      </p:sp>
-      <p:sp>
-        <p:nvSpPr>
-          <p:cNvPr id="16" name="TextBox 15"/>
-          <p:cNvSpPr txBox="1"/>
-          <p:nvPr/>
-        </p:nvSpPr>
-        <p:spPr>
-          <a:xfrm>
-            <a:off x="2723617" y="6072930"/>
-            <a:ext cx="1596937" cy="307777"/>
-          </a:xfrm>
-          <a:prstGeom prst="rect">
-            <a:avLst/>
-          </a:prstGeom>
-          <a:noFill/>
-        </p:spPr>
-        <p:txBody>
-          <a:bodyPr wrap="none" rtlCol="0">
-            <a:spAutoFit/>
-          </a:bodyPr>
-          <a:lstStyle/>
-          <a:p>
-            <a:r>
-              <a:rPr lang="en-US" sz="1400" dirty="0" smtClean="0"/>
-              <a:t>Metadata Manager</a:t>
-            </a:r>
-            <a:endParaRPr lang="en-US" sz="1400" dirty="0"/>
-          </a:p>
-        </p:txBody>
-      </p:sp>
-      <p:cxnSp>
-        <p:nvCxnSpPr>
-          <p:cNvPr id="20" name="Straight Arrow Connector 19"/>
-          <p:cNvCxnSpPr>
-            <a:stCxn id="5" idx="2"/>
-          </p:cNvCxnSpPr>
-          <p:nvPr/>
-        </p:nvCxnSpPr>
-        <p:spPr>
-          <a:xfrm>
-            <a:off x="3200337" y="3504474"/>
-            <a:ext cx="0" cy="1026059"/>
-          </a:xfrm>
-          <a:prstGeom prst="straightConnector1">
-            <a:avLst/>
-          </a:prstGeom>
-          <a:ln>
-            <a:tailEnd type="arrow"/>
-          </a:ln>
-        </p:spPr>
-        <p:style>
-          <a:lnRef idx="2">
-            <a:schemeClr val="accent1"/>
-          </a:lnRef>
-          <a:fillRef idx="0">
-            <a:schemeClr val="accent1"/>
-          </a:fillRef>
-          <a:effectRef idx="1">
-            <a:schemeClr val="accent1"/>
-          </a:effectRef>
-          <a:fontRef idx="minor">
-            <a:schemeClr val="tx1"/>
-          </a:fontRef>
-        </p:style>
-      </p:cxnSp>
-      <p:cxnSp>
-        <p:nvCxnSpPr>
-          <p:cNvPr id="23" name="Straight Arrow Connector 22"/>
-          <p:cNvCxnSpPr>
-            <a:stCxn id="6" idx="2"/>
-          </p:cNvCxnSpPr>
-          <p:nvPr/>
-        </p:nvCxnSpPr>
-        <p:spPr>
-          <a:xfrm>
-            <a:off x="5546466" y="3504474"/>
-            <a:ext cx="0" cy="1026058"/>
-          </a:xfrm>
-          <a:prstGeom prst="straightConnector1">
-            <a:avLst/>
-          </a:prstGeom>
-          <a:ln>
-            <a:prstDash val="dash"/>
-            <a:tailEnd type="arrow"/>
-          </a:ln>
-        </p:spPr>
-        <p:style>
-          <a:lnRef idx="2">
-            <a:schemeClr val="accent1"/>
-          </a:lnRef>
-          <a:fillRef idx="0">
-            <a:schemeClr val="accent1"/>
-          </a:fillRef>
-          <a:effectRef idx="1">
-            <a:schemeClr val="accent1"/>
-          </a:effectRef>
-          <a:fontRef idx="minor">
-            <a:schemeClr val="tx1"/>
-          </a:fontRef>
-        </p:style>
-      </p:cxnSp>
-      <p:cxnSp>
-        <p:nvCxnSpPr>
-          <p:cNvPr id="30" name="Straight Arrow Connector 29"/>
-          <p:cNvCxnSpPr>
-            <a:stCxn id="7" idx="2"/>
-            <a:endCxn id="8" idx="0"/>
-          </p:cNvCxnSpPr>
-          <p:nvPr/>
-        </p:nvCxnSpPr>
-        <p:spPr>
-          <a:xfrm>
-            <a:off x="7663208" y="3499746"/>
-            <a:ext cx="0" cy="1030786"/>
-          </a:xfrm>
-          <a:prstGeom prst="straightConnector1">
-            <a:avLst/>
-          </a:prstGeom>
-          <a:ln>
-            <a:prstDash val="dash"/>
-            <a:tailEnd type="arrow"/>
-          </a:ln>
-        </p:spPr>
-        <p:style>
-          <a:lnRef idx="2">
-            <a:schemeClr val="accent1"/>
-          </a:lnRef>
-          <a:fillRef idx="0">
-            <a:schemeClr val="accent1"/>
-          </a:fillRef>
-          <a:effectRef idx="1">
-            <a:schemeClr val="accent1"/>
-          </a:effectRef>
-          <a:fontRef idx="minor">
-            <a:schemeClr val="tx1"/>
-          </a:fontRef>
-        </p:style>
-      </p:cxnSp>
-      <p:cxnSp>
-        <p:nvCxnSpPr>
-          <p:cNvPr id="33" name="Elbow Connector 32"/>
-          <p:cNvCxnSpPr>
-            <a:stCxn id="5" idx="3"/>
-          </p:cNvCxnSpPr>
-          <p:nvPr/>
-        </p:nvCxnSpPr>
-        <p:spPr>
-          <a:xfrm flipV="1">
-            <a:off x="3949011" y="2051035"/>
-            <a:ext cx="3717853" cy="936225"/>
-          </a:xfrm>
-          <a:prstGeom prst="bentConnector3">
-            <a:avLst>
-              <a:gd name="adj1" fmla="val 12245"/>
-            </a:avLst>
-          </a:prstGeom>
-          <a:ln>
-            <a:prstDash val="dot"/>
-            <a:headEnd type="none"/>
-            <a:tailEnd type="none"/>
-          </a:ln>
-        </p:spPr>
-        <p:style>
-          <a:lnRef idx="2">
-            <a:schemeClr val="accent1"/>
-          </a:lnRef>
-          <a:fillRef idx="0">
-            <a:schemeClr val="accent1"/>
-          </a:fillRef>
-          <a:effectRef idx="1">
-            <a:schemeClr val="accent1"/>
-          </a:effectRef>
-          <a:fontRef idx="minor">
-            <a:schemeClr val="tx1"/>
-          </a:fontRef>
-        </p:style>
-      </p:cxnSp>
-      <p:cxnSp>
-        <p:nvCxnSpPr>
-          <p:cNvPr id="36" name="Straight Arrow Connector 35"/>
-          <p:cNvCxnSpPr>
-            <a:stCxn id="6" idx="0"/>
-          </p:cNvCxnSpPr>
-          <p:nvPr/>
-        </p:nvCxnSpPr>
-        <p:spPr>
-          <a:xfrm flipV="1">
-            <a:off x="5546466" y="2051034"/>
-            <a:ext cx="5073" cy="419011"/>
-          </a:xfrm>
-          <a:prstGeom prst="straightConnector1">
-            <a:avLst/>
-          </a:prstGeom>
-          <a:ln>
-            <a:prstDash val="dot"/>
-            <a:headEnd type="arrow"/>
-            <a:tailEnd type="none"/>
-          </a:ln>
-        </p:spPr>
-        <p:style>
-          <a:lnRef idx="2">
-            <a:schemeClr val="accent1"/>
-          </a:lnRef>
-          <a:fillRef idx="0">
-            <a:schemeClr val="accent1"/>
-          </a:fillRef>
-          <a:effectRef idx="1">
-            <a:schemeClr val="accent1"/>
-          </a:effectRef>
-          <a:fontRef idx="minor">
-            <a:schemeClr val="tx1"/>
-          </a:fontRef>
-        </p:style>
-      </p:cxnSp>
-      <p:cxnSp>
-        <p:nvCxnSpPr>
-          <p:cNvPr id="53" name="Elbow Connector 52"/>
-          <p:cNvCxnSpPr>
-            <a:endCxn id="8" idx="3"/>
-          </p:cNvCxnSpPr>
-          <p:nvPr/>
-        </p:nvCxnSpPr>
-        <p:spPr>
-          <a:xfrm rot="16200000" flipH="1">
-            <a:off x="6542197" y="3175701"/>
-            <a:ext cx="2996713" cy="747378"/>
-          </a:xfrm>
-          <a:prstGeom prst="bentConnector4">
-            <a:avLst>
-              <a:gd name="adj1" fmla="val 329"/>
-              <a:gd name="adj2" fmla="val 130587"/>
-            </a:avLst>
-          </a:prstGeom>
-          <a:ln>
-            <a:prstDash val="dot"/>
-            <a:tailEnd type="arrow"/>
-          </a:ln>
-        </p:spPr>
-        <p:style>
-          <a:lnRef idx="2">
-            <a:schemeClr val="accent1"/>
-          </a:lnRef>
-          <a:fillRef idx="0">
-            <a:schemeClr val="accent1"/>
-          </a:fillRef>
-          <a:effectRef idx="1">
-            <a:schemeClr val="accent1"/>
-          </a:effectRef>
-          <a:fontRef idx="minor">
-            <a:schemeClr val="tx1"/>
-          </a:fontRef>
-        </p:style>
-      </p:cxnSp>
-      <p:pic>
-        <p:nvPicPr>
-          <p:cNvPr id="58" name="Picture 57" descr="Computer-icon.png"/>
-          <p:cNvPicPr>
-            <a:picLocks noChangeAspect="1"/>
-          </p:cNvPicPr>
-          <p:nvPr/>
-        </p:nvPicPr>
-        <p:blipFill>
-          <a:blip r:embed="rId2">
-            <a:extLst>
-              <a:ext uri="{28A0092B-C50C-407E-A947-70E740481C1C}">
-                <a14:useLocalDpi xmlns:a14="http://schemas.microsoft.com/office/drawing/2010/main" val="0"/>
-              </a:ext>
-            </a:extLst>
-          </a:blip>
-          <a:stretch>
-            <a:fillRect/>
-          </a:stretch>
-        </p:blipFill>
-        <p:spPr>
-          <a:xfrm>
-            <a:off x="217639" y="2051033"/>
-            <a:ext cx="702470" cy="702470"/>
-          </a:xfrm>
-          <a:prstGeom prst="rect">
-            <a:avLst/>
-          </a:prstGeom>
-        </p:spPr>
-      </p:pic>
-      <p:cxnSp>
-        <p:nvCxnSpPr>
-          <p:cNvPr id="69" name="Straight Arrow Connector 68"/>
-          <p:cNvCxnSpPr>
-            <a:endCxn id="7" idx="0"/>
-          </p:cNvCxnSpPr>
-          <p:nvPr/>
-        </p:nvCxnSpPr>
-        <p:spPr>
-          <a:xfrm flipH="1">
-            <a:off x="7663208" y="2051034"/>
-            <a:ext cx="3656" cy="414283"/>
-          </a:xfrm>
-          <a:prstGeom prst="straightConnector1">
-            <a:avLst/>
-          </a:prstGeom>
-          <a:ln>
-            <a:prstDash val="dot"/>
-            <a:tailEnd type="arrow"/>
-          </a:ln>
-        </p:spPr>
-        <p:style>
-          <a:lnRef idx="2">
-            <a:schemeClr val="accent1"/>
-          </a:lnRef>
-          <a:fillRef idx="0">
-            <a:schemeClr val="accent1"/>
-          </a:fillRef>
-          <a:effectRef idx="1">
-            <a:schemeClr val="accent1"/>
-          </a:effectRef>
-          <a:fontRef idx="minor">
-            <a:schemeClr val="tx1"/>
-          </a:fontRef>
-        </p:style>
-      </p:cxnSp>
-      <p:cxnSp>
-        <p:nvCxnSpPr>
-          <p:cNvPr id="88" name="Straight Connector 87"/>
-          <p:cNvCxnSpPr/>
-          <p:nvPr/>
-        </p:nvCxnSpPr>
-        <p:spPr>
-          <a:xfrm flipH="1">
-            <a:off x="6109368" y="4010526"/>
-            <a:ext cx="1553840" cy="0"/>
-          </a:xfrm>
-          <a:prstGeom prst="line">
-            <a:avLst/>
-          </a:prstGeom>
-          <a:ln>
-            <a:prstDash val="dash"/>
-          </a:ln>
-        </p:spPr>
-        <p:style>
-          <a:lnRef idx="2">
-            <a:schemeClr val="accent1"/>
-          </a:lnRef>
-          <a:fillRef idx="0">
-            <a:schemeClr val="accent1"/>
-          </a:fillRef>
-          <a:effectRef idx="1">
-            <a:schemeClr val="accent1"/>
-          </a:effectRef>
-          <a:fontRef idx="minor">
-            <a:schemeClr val="tx1"/>
-          </a:fontRef>
-        </p:style>
-      </p:cxnSp>
-      <p:cxnSp>
-        <p:nvCxnSpPr>
-          <p:cNvPr id="90" name="Straight Arrow Connector 89"/>
-          <p:cNvCxnSpPr/>
-          <p:nvPr/>
-        </p:nvCxnSpPr>
-        <p:spPr>
-          <a:xfrm>
-            <a:off x="6109368" y="4010526"/>
-            <a:ext cx="0" cy="520006"/>
-          </a:xfrm>
-          <a:prstGeom prst="straightConnector1">
-            <a:avLst/>
-          </a:prstGeom>
-          <a:ln>
-            <a:prstDash val="dash"/>
-            <a:tailEnd type="arrow"/>
-          </a:ln>
-        </p:spPr>
-        <p:style>
-          <a:lnRef idx="2">
-            <a:schemeClr val="accent1"/>
-          </a:lnRef>
-          <a:fillRef idx="0">
-            <a:schemeClr val="accent1"/>
-          </a:fillRef>
-          <a:effectRef idx="1">
-            <a:schemeClr val="accent1"/>
-          </a:effectRef>
-          <a:fontRef idx="minor">
-            <a:schemeClr val="tx1"/>
-          </a:fontRef>
-        </p:style>
-      </p:cxnSp>
-      <p:sp>
-        <p:nvSpPr>
-          <p:cNvPr id="94" name="TextBox 93"/>
-          <p:cNvSpPr txBox="1"/>
-          <p:nvPr/>
-        </p:nvSpPr>
-        <p:spPr>
-          <a:xfrm>
-            <a:off x="3907703" y="1456855"/>
-            <a:ext cx="1301859" cy="307777"/>
-          </a:xfrm>
-          <a:prstGeom prst="rect">
-            <a:avLst/>
-          </a:prstGeom>
-          <a:noFill/>
-        </p:spPr>
-        <p:txBody>
-          <a:bodyPr wrap="none" rtlCol="0">
-            <a:spAutoFit/>
-          </a:bodyPr>
-          <a:lstStyle/>
-          <a:p>
-            <a:r>
-              <a:rPr lang="en-US" sz="1400" b="1" dirty="0" smtClean="0"/>
-              <a:t>Cloud Platform</a:t>
-            </a:r>
-            <a:endParaRPr lang="en-US" sz="1400" b="1" dirty="0"/>
-          </a:p>
-        </p:txBody>
-      </p:sp>
-      <p:cxnSp>
-        <p:nvCxnSpPr>
-          <p:cNvPr id="101" name="Straight Connector 100"/>
-          <p:cNvCxnSpPr/>
-          <p:nvPr/>
-        </p:nvCxnSpPr>
-        <p:spPr>
-          <a:xfrm>
-            <a:off x="227263" y="6648067"/>
-            <a:ext cx="8702842" cy="0"/>
-          </a:xfrm>
-          <a:prstGeom prst="line">
-            <a:avLst/>
-          </a:prstGeom>
-          <a:ln>
+          </p:spPr>
+          <p:style>
+            <a:lnRef idx="1">
+              <a:schemeClr val="accent1"/>
+            </a:lnRef>
+            <a:fillRef idx="3">
+              <a:schemeClr val="accent1"/>
+            </a:fillRef>
+            <a:effectRef idx="2">
+              <a:schemeClr val="accent1"/>
+            </a:effectRef>
+            <a:fontRef idx="minor">
+              <a:schemeClr val="lt1"/>
+            </a:fontRef>
+          </p:style>
+          <p:txBody>
+            <a:bodyPr rtlCol="0" anchor="ctr"/>
+            <a:lstStyle/>
+            <a:p>
+              <a:pPr algn="ctr"/>
+              <a:r>
+                <a:rPr lang="en-US" sz="1400" dirty="0" smtClean="0"/>
+                <a:t>Developer’s Application Deployment Tools</a:t>
+              </a:r>
+              <a:endParaRPr lang="en-US" sz="1400" dirty="0"/>
+            </a:p>
+          </p:txBody>
+        </p:sp>
+        <p:sp>
+          <p:nvSpPr>
+            <p:cNvPr id="5" name="Rectangle 4"/>
+            <p:cNvSpPr/>
+            <p:nvPr/>
+          </p:nvSpPr>
+          <p:spPr>
+            <a:xfrm>
+              <a:off x="2451662" y="2470045"/>
+              <a:ext cx="1497349" cy="1034429"/>
+            </a:xfrm>
+            <a:prstGeom prst="rect">
+              <a:avLst/>
+            </a:prstGeom>
+          </p:spPr>
+          <p:style>
+            <a:lnRef idx="1">
+              <a:schemeClr val="accent1"/>
+            </a:lnRef>
+            <a:fillRef idx="3">
+              <a:schemeClr val="accent1"/>
+            </a:fillRef>
+            <a:effectRef idx="2">
+              <a:schemeClr val="accent1"/>
+            </a:effectRef>
+            <a:fontRef idx="minor">
+              <a:schemeClr val="lt1"/>
+            </a:fontRef>
+          </p:style>
+          <p:txBody>
+            <a:bodyPr rtlCol="0" anchor="ctr"/>
+            <a:lstStyle/>
+            <a:p>
+              <a:pPr algn="ctr"/>
+              <a:r>
+                <a:rPr lang="en-US" sz="1400" dirty="0" smtClean="0"/>
+                <a:t>API Deployment Coordinator</a:t>
+              </a:r>
+              <a:endParaRPr lang="en-US" sz="1400" dirty="0"/>
+            </a:p>
+          </p:txBody>
+        </p:sp>
+        <p:sp>
+          <p:nvSpPr>
+            <p:cNvPr id="6" name="Rectangle 5"/>
+            <p:cNvSpPr/>
+            <p:nvPr/>
+          </p:nvSpPr>
+          <p:spPr>
+            <a:xfrm>
+              <a:off x="4795431" y="2470045"/>
+              <a:ext cx="1502069" cy="1034429"/>
+            </a:xfrm>
+            <a:prstGeom prst="rect">
+              <a:avLst/>
+            </a:prstGeom>
+          </p:spPr>
+          <p:style>
+            <a:lnRef idx="1">
+              <a:schemeClr val="accent1"/>
+            </a:lnRef>
+            <a:fillRef idx="3">
+              <a:schemeClr val="accent1"/>
+            </a:fillRef>
+            <a:effectRef idx="2">
+              <a:schemeClr val="accent1"/>
+            </a:effectRef>
+            <a:fontRef idx="minor">
+              <a:schemeClr val="lt1"/>
+            </a:fontRef>
+          </p:style>
+          <p:txBody>
+            <a:bodyPr rtlCol="0" anchor="ctr"/>
+            <a:lstStyle/>
+            <a:p>
+              <a:pPr algn="ctr"/>
+              <a:r>
+                <a:rPr lang="en-US" sz="1400" dirty="0" smtClean="0"/>
+                <a:t>API Discovery Portal</a:t>
+              </a:r>
+            </a:p>
+            <a:p>
+              <a:pPr algn="ctr"/>
+              <a:r>
+                <a:rPr lang="en-US" sz="1400" dirty="0" smtClean="0"/>
+                <a:t>(API Store)</a:t>
+              </a:r>
+              <a:endParaRPr lang="en-US" sz="1400" dirty="0"/>
+            </a:p>
+          </p:txBody>
+        </p:sp>
+        <p:sp>
+          <p:nvSpPr>
+            <p:cNvPr id="7" name="Rectangle 6"/>
+            <p:cNvSpPr/>
+            <p:nvPr/>
+          </p:nvSpPr>
+          <p:spPr>
+            <a:xfrm>
+              <a:off x="6912173" y="2465317"/>
+              <a:ext cx="1502069" cy="1034429"/>
+            </a:xfrm>
+            <a:prstGeom prst="rect">
+              <a:avLst/>
+            </a:prstGeom>
+          </p:spPr>
+          <p:style>
+            <a:lnRef idx="1">
+              <a:schemeClr val="accent1"/>
+            </a:lnRef>
+            <a:fillRef idx="3">
+              <a:schemeClr val="accent1"/>
+            </a:fillRef>
+            <a:effectRef idx="2">
+              <a:schemeClr val="accent1"/>
+            </a:effectRef>
+            <a:fontRef idx="minor">
+              <a:schemeClr val="lt1"/>
+            </a:fontRef>
+          </p:style>
+          <p:txBody>
+            <a:bodyPr rtlCol="0" anchor="ctr"/>
+            <a:lstStyle/>
+            <a:p>
+              <a:pPr algn="ctr"/>
+              <a:r>
+                <a:rPr lang="en-US" sz="1400" dirty="0" smtClean="0"/>
+                <a:t>API Gateway</a:t>
+              </a:r>
+              <a:endParaRPr lang="en-US" sz="1400" dirty="0"/>
+            </a:p>
+          </p:txBody>
+        </p:sp>
+        <p:sp>
+          <p:nvSpPr>
+            <p:cNvPr id="8" name="Rectangle 7"/>
+            <p:cNvSpPr/>
+            <p:nvPr/>
+          </p:nvSpPr>
+          <p:spPr>
+            <a:xfrm>
+              <a:off x="6912173" y="4530532"/>
+              <a:ext cx="1502069" cy="1034429"/>
+            </a:xfrm>
+            <a:prstGeom prst="rect">
+              <a:avLst/>
+            </a:prstGeom>
             <a:solidFill>
+              <a:schemeClr val="bg1">
+                <a:lumMod val="65000"/>
+              </a:schemeClr>
+            </a:solidFill>
+          </p:spPr>
+          <p:style>
+            <a:lnRef idx="1">
+              <a:schemeClr val="accent1"/>
+            </a:lnRef>
+            <a:fillRef idx="3">
+              <a:schemeClr val="accent1"/>
+            </a:fillRef>
+            <a:effectRef idx="2">
+              <a:schemeClr val="accent1"/>
+            </a:effectRef>
+            <a:fontRef idx="minor">
+              <a:schemeClr val="lt1"/>
+            </a:fontRef>
+          </p:style>
+          <p:txBody>
+            <a:bodyPr rtlCol="0" anchor="ctr"/>
+            <a:lstStyle/>
+            <a:p>
+              <a:pPr algn="ctr"/>
+              <a:r>
+                <a:rPr lang="en-US" sz="1400" dirty="0" smtClean="0"/>
+                <a:t>Service Runtime</a:t>
+              </a:r>
+            </a:p>
+            <a:p>
+              <a:pPr algn="ctr"/>
+              <a:r>
+                <a:rPr lang="en-US" sz="1400" dirty="0" smtClean="0"/>
+                <a:t>(App Server)</a:t>
+              </a:r>
+              <a:endParaRPr lang="en-US" sz="1400" dirty="0"/>
+            </a:p>
+          </p:txBody>
+        </p:sp>
+        <p:sp>
+          <p:nvSpPr>
+            <p:cNvPr id="9" name="Rectangle 8"/>
+            <p:cNvSpPr/>
+            <p:nvPr/>
+          </p:nvSpPr>
+          <p:spPr>
+            <a:xfrm>
+              <a:off x="458264" y="4530532"/>
+              <a:ext cx="6127642" cy="1850175"/>
+            </a:xfrm>
+            <a:prstGeom prst="rect">
+              <a:avLst/>
+            </a:prstGeom>
+            <a:noFill/>
+            <a:ln>
+              <a:solidFill>
+                <a:srgbClr val="0000FF"/>
+              </a:solidFill>
+            </a:ln>
+          </p:spPr>
+          <p:style>
+            <a:lnRef idx="1">
+              <a:schemeClr val="accent1"/>
+            </a:lnRef>
+            <a:fillRef idx="3">
+              <a:schemeClr val="accent1"/>
+            </a:fillRef>
+            <a:effectRef idx="2">
+              <a:schemeClr val="accent1"/>
+            </a:effectRef>
+            <a:fontRef idx="minor">
+              <a:schemeClr val="lt1"/>
+            </a:fontRef>
+          </p:style>
+          <p:txBody>
+            <a:bodyPr rtlCol="0" anchor="ctr"/>
+            <a:lstStyle/>
+            <a:p>
+              <a:pPr algn="ctr"/>
+              <a:endParaRPr lang="en-US"/>
+            </a:p>
+          </p:txBody>
+        </p:sp>
+        <p:sp>
+          <p:nvSpPr>
+            <p:cNvPr id="10" name="Can 9"/>
+            <p:cNvSpPr/>
+            <p:nvPr/>
+          </p:nvSpPr>
+          <p:spPr>
+            <a:xfrm>
+              <a:off x="620103" y="4726943"/>
+              <a:ext cx="1099833" cy="1126087"/>
+            </a:xfrm>
+            <a:prstGeom prst="can">
+              <a:avLst/>
+            </a:prstGeom>
+          </p:spPr>
+          <p:style>
+            <a:lnRef idx="1">
+              <a:schemeClr val="accent1"/>
+            </a:lnRef>
+            <a:fillRef idx="3">
+              <a:schemeClr val="accent1"/>
+            </a:fillRef>
+            <a:effectRef idx="2">
+              <a:schemeClr val="accent1"/>
+            </a:effectRef>
+            <a:fontRef idx="minor">
+              <a:schemeClr val="lt1"/>
+            </a:fontRef>
+          </p:style>
+          <p:txBody>
+            <a:bodyPr rtlCol="0" anchor="ctr"/>
+            <a:lstStyle/>
+            <a:p>
+              <a:pPr algn="ctr"/>
+              <a:r>
+                <a:rPr lang="en-US" dirty="0" smtClean="0"/>
+                <a:t>Database</a:t>
+              </a:r>
+              <a:endParaRPr lang="en-US" dirty="0"/>
+            </a:p>
+          </p:txBody>
+        </p:sp>
+        <p:sp>
+          <p:nvSpPr>
+            <p:cNvPr id="11" name="Rectangle 10"/>
+            <p:cNvSpPr/>
+            <p:nvPr/>
+          </p:nvSpPr>
+          <p:spPr>
+            <a:xfrm>
+              <a:off x="3580905" y="4726943"/>
+              <a:ext cx="1227111" cy="1126087"/>
+            </a:xfrm>
+            <a:prstGeom prst="rect">
+              <a:avLst/>
+            </a:prstGeom>
+          </p:spPr>
+          <p:style>
+            <a:lnRef idx="1">
+              <a:schemeClr val="accent1"/>
+            </a:lnRef>
+            <a:fillRef idx="3">
+              <a:schemeClr val="accent1"/>
+            </a:fillRef>
+            <a:effectRef idx="2">
+              <a:schemeClr val="accent1"/>
+            </a:effectRef>
+            <a:fontRef idx="minor">
+              <a:schemeClr val="lt1"/>
+            </a:fontRef>
+          </p:style>
+          <p:txBody>
+            <a:bodyPr rtlCol="0" anchor="ctr"/>
+            <a:lstStyle/>
+            <a:p>
+              <a:pPr algn="ctr"/>
+              <a:r>
+                <a:rPr lang="en-US" sz="1400" dirty="0" smtClean="0"/>
+                <a:t>API Key Manager</a:t>
+              </a:r>
+              <a:endParaRPr lang="en-US" sz="1400" dirty="0"/>
+            </a:p>
+          </p:txBody>
+        </p:sp>
+        <p:sp>
+          <p:nvSpPr>
+            <p:cNvPr id="13" name="Can 12"/>
+            <p:cNvSpPr/>
+            <p:nvPr/>
+          </p:nvSpPr>
+          <p:spPr>
+            <a:xfrm>
+              <a:off x="2100504" y="4726943"/>
+              <a:ext cx="1099833" cy="1126087"/>
+            </a:xfrm>
+            <a:prstGeom prst="can">
+              <a:avLst/>
+            </a:prstGeom>
+          </p:spPr>
+          <p:style>
+            <a:lnRef idx="1">
+              <a:schemeClr val="accent1"/>
+            </a:lnRef>
+            <a:fillRef idx="3">
+              <a:schemeClr val="accent1"/>
+            </a:fillRef>
+            <a:effectRef idx="2">
+              <a:schemeClr val="accent1"/>
+            </a:effectRef>
+            <a:fontRef idx="minor">
+              <a:schemeClr val="lt1"/>
+            </a:fontRef>
+          </p:style>
+          <p:txBody>
+            <a:bodyPr rtlCol="0" anchor="ctr"/>
+            <a:lstStyle/>
+            <a:p>
+              <a:pPr algn="ctr"/>
+              <a:r>
+                <a:rPr lang="en-US" dirty="0" smtClean="0"/>
+                <a:t>User Store</a:t>
+              </a:r>
+              <a:endParaRPr lang="en-US" dirty="0"/>
+            </a:p>
+          </p:txBody>
+        </p:sp>
+        <p:sp>
+          <p:nvSpPr>
+            <p:cNvPr id="15" name="Rectangle 14"/>
+            <p:cNvSpPr/>
+            <p:nvPr/>
+          </p:nvSpPr>
+          <p:spPr>
+            <a:xfrm>
+              <a:off x="5188583" y="4726943"/>
+              <a:ext cx="1227111" cy="1126087"/>
+            </a:xfrm>
+            <a:prstGeom prst="rect">
+              <a:avLst/>
+            </a:prstGeom>
+          </p:spPr>
+          <p:style>
+            <a:lnRef idx="1">
+              <a:schemeClr val="accent1"/>
+            </a:lnRef>
+            <a:fillRef idx="3">
+              <a:schemeClr val="accent1"/>
+            </a:fillRef>
+            <a:effectRef idx="2">
+              <a:schemeClr val="accent1"/>
+            </a:effectRef>
+            <a:fontRef idx="minor">
+              <a:schemeClr val="lt1"/>
+            </a:fontRef>
+          </p:style>
+          <p:txBody>
+            <a:bodyPr rtlCol="0" anchor="ctr"/>
+            <a:lstStyle/>
+            <a:p>
+              <a:pPr algn="ctr"/>
+              <a:r>
+                <a:rPr lang="en-US" sz="1400" dirty="0" smtClean="0"/>
+                <a:t>API Dependency Tree</a:t>
+              </a:r>
+              <a:endParaRPr lang="en-US" sz="1400" dirty="0"/>
+            </a:p>
+          </p:txBody>
+        </p:sp>
+        <p:sp>
+          <p:nvSpPr>
+            <p:cNvPr id="16" name="TextBox 15"/>
+            <p:cNvSpPr txBox="1"/>
+            <p:nvPr/>
+          </p:nvSpPr>
+          <p:spPr>
+            <a:xfrm>
+              <a:off x="2723617" y="6072930"/>
+              <a:ext cx="1596937" cy="307777"/>
+            </a:xfrm>
+            <a:prstGeom prst="rect">
+              <a:avLst/>
+            </a:prstGeom>
+            <a:noFill/>
+          </p:spPr>
+          <p:txBody>
+            <a:bodyPr wrap="none" rtlCol="0">
+              <a:spAutoFit/>
+            </a:bodyPr>
+            <a:lstStyle/>
+            <a:p>
+              <a:r>
+                <a:rPr lang="en-US" sz="1400" dirty="0" smtClean="0"/>
+                <a:t>Metadata Manager</a:t>
+              </a:r>
+              <a:endParaRPr lang="en-US" sz="1400" dirty="0"/>
+            </a:p>
+          </p:txBody>
+        </p:sp>
+        <p:cxnSp>
+          <p:nvCxnSpPr>
+            <p:cNvPr id="20" name="Straight Arrow Connector 19"/>
+            <p:cNvCxnSpPr>
+              <a:stCxn id="5" idx="2"/>
+            </p:cNvCxnSpPr>
+            <p:nvPr/>
+          </p:nvCxnSpPr>
+          <p:spPr>
+            <a:xfrm>
+              <a:off x="3200337" y="3504474"/>
+              <a:ext cx="0" cy="1026059"/>
+            </a:xfrm>
+            <a:prstGeom prst="straightConnector1">
+              <a:avLst/>
+            </a:prstGeom>
+            <a:ln>
+              <a:tailEnd type="arrow"/>
+            </a:ln>
+          </p:spPr>
+          <p:style>
+            <a:lnRef idx="2">
+              <a:schemeClr val="accent1"/>
+            </a:lnRef>
+            <a:fillRef idx="0">
+              <a:schemeClr val="accent1"/>
+            </a:fillRef>
+            <a:effectRef idx="1">
+              <a:schemeClr val="accent1"/>
+            </a:effectRef>
+            <a:fontRef idx="minor">
               <a:schemeClr val="tx1"/>
-            </a:solidFill>
-          </a:ln>
-        </p:spPr>
-        <p:style>
-          <a:lnRef idx="2">
-            <a:schemeClr val="accent1"/>
-          </a:lnRef>
-          <a:fillRef idx="0">
-            <a:schemeClr val="accent1"/>
-          </a:fillRef>
-          <a:effectRef idx="1">
-            <a:schemeClr val="accent1"/>
-          </a:effectRef>
-          <a:fontRef idx="minor">
-            <a:schemeClr val="tx1"/>
-          </a:fontRef>
-        </p:style>
-      </p:cxnSp>
-      <p:cxnSp>
-        <p:nvCxnSpPr>
-          <p:cNvPr id="105" name="Straight Connector 104"/>
-          <p:cNvCxnSpPr/>
-          <p:nvPr/>
-        </p:nvCxnSpPr>
-        <p:spPr>
-          <a:xfrm>
-            <a:off x="217639" y="3783263"/>
-            <a:ext cx="0" cy="2874188"/>
-          </a:xfrm>
-          <a:prstGeom prst="line">
-            <a:avLst/>
-          </a:prstGeom>
-          <a:ln>
-            <a:solidFill>
+            </a:fontRef>
+          </p:style>
+        </p:cxnSp>
+        <p:cxnSp>
+          <p:nvCxnSpPr>
+            <p:cNvPr id="23" name="Straight Arrow Connector 22"/>
+            <p:cNvCxnSpPr>
+              <a:stCxn id="6" idx="2"/>
+            </p:cNvCxnSpPr>
+            <p:nvPr/>
+          </p:nvCxnSpPr>
+          <p:spPr>
+            <a:xfrm>
+              <a:off x="5546466" y="3504474"/>
+              <a:ext cx="0" cy="1026058"/>
+            </a:xfrm>
+            <a:prstGeom prst="straightConnector1">
+              <a:avLst/>
+            </a:prstGeom>
+            <a:ln>
+              <a:prstDash val="dash"/>
+              <a:tailEnd type="arrow"/>
+            </a:ln>
+          </p:spPr>
+          <p:style>
+            <a:lnRef idx="2">
+              <a:schemeClr val="accent1"/>
+            </a:lnRef>
+            <a:fillRef idx="0">
+              <a:schemeClr val="accent1"/>
+            </a:fillRef>
+            <a:effectRef idx="1">
+              <a:schemeClr val="accent1"/>
+            </a:effectRef>
+            <a:fontRef idx="minor">
               <a:schemeClr val="tx1"/>
-            </a:solidFill>
-          </a:ln>
-        </p:spPr>
-        <p:style>
-          <a:lnRef idx="2">
-            <a:schemeClr val="accent1"/>
-          </a:lnRef>
-          <a:fillRef idx="0">
-            <a:schemeClr val="accent1"/>
-          </a:fillRef>
-          <a:effectRef idx="1">
-            <a:schemeClr val="accent1"/>
-          </a:effectRef>
-          <a:fontRef idx="minor">
-            <a:schemeClr val="tx1"/>
-          </a:fontRef>
-        </p:style>
-      </p:cxnSp>
-      <p:cxnSp>
-        <p:nvCxnSpPr>
-          <p:cNvPr id="111" name="Straight Connector 110"/>
-          <p:cNvCxnSpPr/>
-          <p:nvPr/>
-        </p:nvCxnSpPr>
-        <p:spPr>
-          <a:xfrm>
-            <a:off x="8930105" y="1764632"/>
-            <a:ext cx="0" cy="4892819"/>
-          </a:xfrm>
-          <a:prstGeom prst="line">
-            <a:avLst/>
-          </a:prstGeom>
-          <a:ln>
-            <a:solidFill>
+            </a:fontRef>
+          </p:style>
+        </p:cxnSp>
+        <p:cxnSp>
+          <p:nvCxnSpPr>
+            <p:cNvPr id="30" name="Straight Arrow Connector 29"/>
+            <p:cNvCxnSpPr>
+              <a:stCxn id="7" idx="2"/>
+              <a:endCxn id="8" idx="0"/>
+            </p:cNvCxnSpPr>
+            <p:nvPr/>
+          </p:nvCxnSpPr>
+          <p:spPr>
+            <a:xfrm>
+              <a:off x="7663208" y="3499746"/>
+              <a:ext cx="0" cy="1030786"/>
+            </a:xfrm>
+            <a:prstGeom prst="straightConnector1">
+              <a:avLst/>
+            </a:prstGeom>
+            <a:ln>
+              <a:prstDash val="dash"/>
+              <a:tailEnd type="arrow"/>
+            </a:ln>
+          </p:spPr>
+          <p:style>
+            <a:lnRef idx="2">
+              <a:schemeClr val="accent1"/>
+            </a:lnRef>
+            <a:fillRef idx="0">
+              <a:schemeClr val="accent1"/>
+            </a:fillRef>
+            <a:effectRef idx="1">
+              <a:schemeClr val="accent1"/>
+            </a:effectRef>
+            <a:fontRef idx="minor">
               <a:schemeClr val="tx1"/>
-            </a:solidFill>
-          </a:ln>
-        </p:spPr>
-        <p:style>
-          <a:lnRef idx="2">
-            <a:schemeClr val="accent1"/>
-          </a:lnRef>
-          <a:fillRef idx="0">
-            <a:schemeClr val="accent1"/>
-          </a:fillRef>
-          <a:effectRef idx="1">
-            <a:schemeClr val="accent1"/>
-          </a:effectRef>
-          <a:fontRef idx="minor">
-            <a:schemeClr val="tx1"/>
-          </a:fontRef>
-        </p:style>
-      </p:cxnSp>
-      <p:cxnSp>
-        <p:nvCxnSpPr>
-          <p:cNvPr id="113" name="Straight Connector 112"/>
-          <p:cNvCxnSpPr/>
-          <p:nvPr/>
-        </p:nvCxnSpPr>
-        <p:spPr>
-          <a:xfrm>
-            <a:off x="2259263" y="1764632"/>
-            <a:ext cx="6684210" cy="0"/>
-          </a:xfrm>
-          <a:prstGeom prst="line">
-            <a:avLst/>
-          </a:prstGeom>
-          <a:ln>
-            <a:solidFill>
+            </a:fontRef>
+          </p:style>
+        </p:cxnSp>
+        <p:cxnSp>
+          <p:nvCxnSpPr>
+            <p:cNvPr id="33" name="Elbow Connector 32"/>
+            <p:cNvCxnSpPr>
+              <a:stCxn id="5" idx="3"/>
+            </p:cNvCxnSpPr>
+            <p:nvPr/>
+          </p:nvCxnSpPr>
+          <p:spPr>
+            <a:xfrm flipV="1">
+              <a:off x="3949011" y="2051035"/>
+              <a:ext cx="3717853" cy="936225"/>
+            </a:xfrm>
+            <a:prstGeom prst="bentConnector3">
+              <a:avLst>
+                <a:gd name="adj1" fmla="val 12245"/>
+              </a:avLst>
+            </a:prstGeom>
+            <a:ln>
+              <a:prstDash val="dot"/>
+              <a:headEnd type="none"/>
+              <a:tailEnd type="none"/>
+            </a:ln>
+          </p:spPr>
+          <p:style>
+            <a:lnRef idx="2">
+              <a:schemeClr val="accent1"/>
+            </a:lnRef>
+            <a:fillRef idx="0">
+              <a:schemeClr val="accent1"/>
+            </a:fillRef>
+            <a:effectRef idx="1">
+              <a:schemeClr val="accent1"/>
+            </a:effectRef>
+            <a:fontRef idx="minor">
               <a:schemeClr val="tx1"/>
-            </a:solidFill>
-          </a:ln>
-        </p:spPr>
-        <p:style>
-          <a:lnRef idx="2">
-            <a:schemeClr val="accent1"/>
-          </a:lnRef>
-          <a:fillRef idx="0">
-            <a:schemeClr val="accent1"/>
-          </a:fillRef>
-          <a:effectRef idx="1">
-            <a:schemeClr val="accent1"/>
-          </a:effectRef>
-          <a:fontRef idx="minor">
-            <a:schemeClr val="tx1"/>
-          </a:fontRef>
-        </p:style>
-      </p:cxnSp>
-      <p:cxnSp>
-        <p:nvCxnSpPr>
-          <p:cNvPr id="114" name="Straight Connector 113"/>
-          <p:cNvCxnSpPr/>
-          <p:nvPr/>
-        </p:nvCxnSpPr>
-        <p:spPr>
-          <a:xfrm>
-            <a:off x="204271" y="3783263"/>
-            <a:ext cx="2054992" cy="0"/>
-          </a:xfrm>
-          <a:prstGeom prst="line">
-            <a:avLst/>
-          </a:prstGeom>
-          <a:ln>
-            <a:solidFill>
+            </a:fontRef>
+          </p:style>
+        </p:cxnSp>
+        <p:cxnSp>
+          <p:nvCxnSpPr>
+            <p:cNvPr id="36" name="Straight Arrow Connector 35"/>
+            <p:cNvCxnSpPr>
+              <a:stCxn id="6" idx="0"/>
+            </p:cNvCxnSpPr>
+            <p:nvPr/>
+          </p:nvCxnSpPr>
+          <p:spPr>
+            <a:xfrm flipV="1">
+              <a:off x="5546466" y="2051034"/>
+              <a:ext cx="5073" cy="419011"/>
+            </a:xfrm>
+            <a:prstGeom prst="straightConnector1">
+              <a:avLst/>
+            </a:prstGeom>
+            <a:ln>
+              <a:prstDash val="dot"/>
+              <a:headEnd type="arrow"/>
+              <a:tailEnd type="none"/>
+            </a:ln>
+          </p:spPr>
+          <p:style>
+            <a:lnRef idx="2">
+              <a:schemeClr val="accent1"/>
+            </a:lnRef>
+            <a:fillRef idx="0">
+              <a:schemeClr val="accent1"/>
+            </a:fillRef>
+            <a:effectRef idx="1">
+              <a:schemeClr val="accent1"/>
+            </a:effectRef>
+            <a:fontRef idx="minor">
               <a:schemeClr val="tx1"/>
-            </a:solidFill>
-          </a:ln>
-        </p:spPr>
-        <p:style>
-          <a:lnRef idx="2">
-            <a:schemeClr val="accent1"/>
-          </a:lnRef>
-          <a:fillRef idx="0">
-            <a:schemeClr val="accent1"/>
-          </a:fillRef>
-          <a:effectRef idx="1">
-            <a:schemeClr val="accent1"/>
-          </a:effectRef>
-          <a:fontRef idx="minor">
-            <a:schemeClr val="tx1"/>
-          </a:fontRef>
-        </p:style>
-      </p:cxnSp>
-      <p:cxnSp>
-        <p:nvCxnSpPr>
-          <p:cNvPr id="119" name="Straight Connector 118"/>
-          <p:cNvCxnSpPr/>
-          <p:nvPr/>
-        </p:nvCxnSpPr>
-        <p:spPr>
-          <a:xfrm>
-            <a:off x="2259263" y="1764632"/>
-            <a:ext cx="0" cy="2018631"/>
-          </a:xfrm>
-          <a:prstGeom prst="line">
-            <a:avLst/>
-          </a:prstGeom>
-          <a:ln>
-            <a:solidFill>
+            </a:fontRef>
+          </p:style>
+        </p:cxnSp>
+        <p:cxnSp>
+          <p:nvCxnSpPr>
+            <p:cNvPr id="53" name="Elbow Connector 52"/>
+            <p:cNvCxnSpPr>
+              <a:endCxn id="8" idx="3"/>
+            </p:cNvCxnSpPr>
+            <p:nvPr/>
+          </p:nvCxnSpPr>
+          <p:spPr>
+            <a:xfrm rot="16200000" flipH="1">
+              <a:off x="6542197" y="3175701"/>
+              <a:ext cx="2996713" cy="747378"/>
+            </a:xfrm>
+            <a:prstGeom prst="bentConnector4">
+              <a:avLst>
+                <a:gd name="adj1" fmla="val 329"/>
+                <a:gd name="adj2" fmla="val 130587"/>
+              </a:avLst>
+            </a:prstGeom>
+            <a:ln>
+              <a:prstDash val="dot"/>
+              <a:tailEnd type="arrow"/>
+            </a:ln>
+          </p:spPr>
+          <p:style>
+            <a:lnRef idx="2">
+              <a:schemeClr val="accent1"/>
+            </a:lnRef>
+            <a:fillRef idx="0">
+              <a:schemeClr val="accent1"/>
+            </a:fillRef>
+            <a:effectRef idx="1">
+              <a:schemeClr val="accent1"/>
+            </a:effectRef>
+            <a:fontRef idx="minor">
               <a:schemeClr val="tx1"/>
-            </a:solidFill>
-          </a:ln>
-        </p:spPr>
-        <p:style>
-          <a:lnRef idx="2">
-            <a:schemeClr val="accent1"/>
-          </a:lnRef>
-          <a:fillRef idx="0">
-            <a:schemeClr val="accent1"/>
-          </a:fillRef>
-          <a:effectRef idx="1">
-            <a:schemeClr val="accent1"/>
-          </a:effectRef>
-          <a:fontRef idx="minor">
-            <a:schemeClr val="tx1"/>
-          </a:fontRef>
-        </p:style>
-      </p:cxnSp>
-      <p:cxnSp>
-        <p:nvCxnSpPr>
-          <p:cNvPr id="121" name="Straight Arrow Connector 120"/>
-          <p:cNvCxnSpPr>
-            <a:stCxn id="4" idx="3"/>
-            <a:endCxn id="5" idx="1"/>
-          </p:cNvCxnSpPr>
-          <p:nvPr/>
-        </p:nvCxnSpPr>
-        <p:spPr>
-          <a:xfrm flipV="1">
-            <a:off x="1955613" y="2987260"/>
-            <a:ext cx="496049" cy="4756"/>
-          </a:xfrm>
-          <a:prstGeom prst="straightConnector1">
-            <a:avLst/>
-          </a:prstGeom>
-          <a:ln>
-            <a:tailEnd type="arrow"/>
-          </a:ln>
-        </p:spPr>
-        <p:style>
-          <a:lnRef idx="2">
-            <a:schemeClr val="accent1"/>
-          </a:lnRef>
-          <a:fillRef idx="0">
-            <a:schemeClr val="accent1"/>
-          </a:fillRef>
-          <a:effectRef idx="1">
-            <a:schemeClr val="accent1"/>
-          </a:effectRef>
-          <a:fontRef idx="minor">
-            <a:schemeClr val="tx1"/>
-          </a:fontRef>
-        </p:style>
-      </p:cxnSp>
+            </a:fontRef>
+          </p:style>
+        </p:cxnSp>
+        <p:pic>
+          <p:nvPicPr>
+            <p:cNvPr id="58" name="Picture 57" descr="Computer-icon.png"/>
+            <p:cNvPicPr>
+              <a:picLocks noChangeAspect="1"/>
+            </p:cNvPicPr>
+            <p:nvPr/>
+          </p:nvPicPr>
+          <p:blipFill>
+            <a:blip r:embed="rId2">
+              <a:extLst>
+                <a:ext uri="{28A0092B-C50C-407E-A947-70E740481C1C}">
+                  <a14:useLocalDpi xmlns:a14="http://schemas.microsoft.com/office/drawing/2010/main" val="0"/>
+                </a:ext>
+              </a:extLst>
+            </a:blip>
+            <a:stretch>
+              <a:fillRect/>
+            </a:stretch>
+          </p:blipFill>
+          <p:spPr>
+            <a:xfrm>
+              <a:off x="217639" y="2051033"/>
+              <a:ext cx="702470" cy="702470"/>
+            </a:xfrm>
+            <a:prstGeom prst="rect">
+              <a:avLst/>
+            </a:prstGeom>
+          </p:spPr>
+        </p:pic>
+        <p:cxnSp>
+          <p:nvCxnSpPr>
+            <p:cNvPr id="69" name="Straight Arrow Connector 68"/>
+            <p:cNvCxnSpPr>
+              <a:endCxn id="7" idx="0"/>
+            </p:cNvCxnSpPr>
+            <p:nvPr/>
+          </p:nvCxnSpPr>
+          <p:spPr>
+            <a:xfrm flipH="1">
+              <a:off x="7663208" y="2051034"/>
+              <a:ext cx="3656" cy="414283"/>
+            </a:xfrm>
+            <a:prstGeom prst="straightConnector1">
+              <a:avLst/>
+            </a:prstGeom>
+            <a:ln>
+              <a:prstDash val="dot"/>
+              <a:tailEnd type="arrow"/>
+            </a:ln>
+          </p:spPr>
+          <p:style>
+            <a:lnRef idx="2">
+              <a:schemeClr val="accent1"/>
+            </a:lnRef>
+            <a:fillRef idx="0">
+              <a:schemeClr val="accent1"/>
+            </a:fillRef>
+            <a:effectRef idx="1">
+              <a:schemeClr val="accent1"/>
+            </a:effectRef>
+            <a:fontRef idx="minor">
+              <a:schemeClr val="tx1"/>
+            </a:fontRef>
+          </p:style>
+        </p:cxnSp>
+        <p:cxnSp>
+          <p:nvCxnSpPr>
+            <p:cNvPr id="88" name="Straight Connector 87"/>
+            <p:cNvCxnSpPr/>
+            <p:nvPr/>
+          </p:nvCxnSpPr>
+          <p:spPr>
+            <a:xfrm flipH="1">
+              <a:off x="6109368" y="4010526"/>
+              <a:ext cx="1553840" cy="0"/>
+            </a:xfrm>
+            <a:prstGeom prst="line">
+              <a:avLst/>
+            </a:prstGeom>
+            <a:ln>
+              <a:prstDash val="dash"/>
+            </a:ln>
+          </p:spPr>
+          <p:style>
+            <a:lnRef idx="2">
+              <a:schemeClr val="accent1"/>
+            </a:lnRef>
+            <a:fillRef idx="0">
+              <a:schemeClr val="accent1"/>
+            </a:fillRef>
+            <a:effectRef idx="1">
+              <a:schemeClr val="accent1"/>
+            </a:effectRef>
+            <a:fontRef idx="minor">
+              <a:schemeClr val="tx1"/>
+            </a:fontRef>
+          </p:style>
+        </p:cxnSp>
+        <p:cxnSp>
+          <p:nvCxnSpPr>
+            <p:cNvPr id="90" name="Straight Arrow Connector 89"/>
+            <p:cNvCxnSpPr/>
+            <p:nvPr/>
+          </p:nvCxnSpPr>
+          <p:spPr>
+            <a:xfrm>
+              <a:off x="6109368" y="4010526"/>
+              <a:ext cx="0" cy="520006"/>
+            </a:xfrm>
+            <a:prstGeom prst="straightConnector1">
+              <a:avLst/>
+            </a:prstGeom>
+            <a:ln>
+              <a:prstDash val="dash"/>
+              <a:tailEnd type="arrow"/>
+            </a:ln>
+          </p:spPr>
+          <p:style>
+            <a:lnRef idx="2">
+              <a:schemeClr val="accent1"/>
+            </a:lnRef>
+            <a:fillRef idx="0">
+              <a:schemeClr val="accent1"/>
+            </a:fillRef>
+            <a:effectRef idx="1">
+              <a:schemeClr val="accent1"/>
+            </a:effectRef>
+            <a:fontRef idx="minor">
+              <a:schemeClr val="tx1"/>
+            </a:fontRef>
+          </p:style>
+        </p:cxnSp>
+        <p:sp>
+          <p:nvSpPr>
+            <p:cNvPr id="94" name="TextBox 93"/>
+            <p:cNvSpPr txBox="1"/>
+            <p:nvPr/>
+          </p:nvSpPr>
+          <p:spPr>
+            <a:xfrm>
+              <a:off x="3907703" y="1456855"/>
+              <a:ext cx="1301859" cy="307777"/>
+            </a:xfrm>
+            <a:prstGeom prst="rect">
+              <a:avLst/>
+            </a:prstGeom>
+            <a:noFill/>
+          </p:spPr>
+          <p:txBody>
+            <a:bodyPr wrap="none" rtlCol="0">
+              <a:spAutoFit/>
+            </a:bodyPr>
+            <a:lstStyle/>
+            <a:p>
+              <a:r>
+                <a:rPr lang="en-US" sz="1400" b="1" dirty="0" smtClean="0"/>
+                <a:t>Cloud Platform</a:t>
+              </a:r>
+              <a:endParaRPr lang="en-US" sz="1400" b="1" dirty="0"/>
+            </a:p>
+          </p:txBody>
+        </p:sp>
+        <p:cxnSp>
+          <p:nvCxnSpPr>
+            <p:cNvPr id="101" name="Straight Connector 100"/>
+            <p:cNvCxnSpPr/>
+            <p:nvPr/>
+          </p:nvCxnSpPr>
+          <p:spPr>
+            <a:xfrm>
+              <a:off x="227263" y="6648067"/>
+              <a:ext cx="8702842" cy="0"/>
+            </a:xfrm>
+            <a:prstGeom prst="line">
+              <a:avLst/>
+            </a:prstGeom>
+            <a:ln>
+              <a:solidFill>
+                <a:schemeClr val="tx1"/>
+              </a:solidFill>
+            </a:ln>
+          </p:spPr>
+          <p:style>
+            <a:lnRef idx="2">
+              <a:schemeClr val="accent1"/>
+            </a:lnRef>
+            <a:fillRef idx="0">
+              <a:schemeClr val="accent1"/>
+            </a:fillRef>
+            <a:effectRef idx="1">
+              <a:schemeClr val="accent1"/>
+            </a:effectRef>
+            <a:fontRef idx="minor">
+              <a:schemeClr val="tx1"/>
+            </a:fontRef>
+          </p:style>
+        </p:cxnSp>
+        <p:cxnSp>
+          <p:nvCxnSpPr>
+            <p:cNvPr id="105" name="Straight Connector 104"/>
+            <p:cNvCxnSpPr/>
+            <p:nvPr/>
+          </p:nvCxnSpPr>
+          <p:spPr>
+            <a:xfrm>
+              <a:off x="217639" y="3783263"/>
+              <a:ext cx="0" cy="2874188"/>
+            </a:xfrm>
+            <a:prstGeom prst="line">
+              <a:avLst/>
+            </a:prstGeom>
+            <a:ln>
+              <a:solidFill>
+                <a:schemeClr val="tx1"/>
+              </a:solidFill>
+            </a:ln>
+          </p:spPr>
+          <p:style>
+            <a:lnRef idx="2">
+              <a:schemeClr val="accent1"/>
+            </a:lnRef>
+            <a:fillRef idx="0">
+              <a:schemeClr val="accent1"/>
+            </a:fillRef>
+            <a:effectRef idx="1">
+              <a:schemeClr val="accent1"/>
+            </a:effectRef>
+            <a:fontRef idx="minor">
+              <a:schemeClr val="tx1"/>
+            </a:fontRef>
+          </p:style>
+        </p:cxnSp>
+        <p:cxnSp>
+          <p:nvCxnSpPr>
+            <p:cNvPr id="111" name="Straight Connector 110"/>
+            <p:cNvCxnSpPr/>
+            <p:nvPr/>
+          </p:nvCxnSpPr>
+          <p:spPr>
+            <a:xfrm>
+              <a:off x="8930105" y="1764632"/>
+              <a:ext cx="0" cy="4892819"/>
+            </a:xfrm>
+            <a:prstGeom prst="line">
+              <a:avLst/>
+            </a:prstGeom>
+            <a:ln>
+              <a:solidFill>
+                <a:schemeClr val="tx1"/>
+              </a:solidFill>
+            </a:ln>
+          </p:spPr>
+          <p:style>
+            <a:lnRef idx="2">
+              <a:schemeClr val="accent1"/>
+            </a:lnRef>
+            <a:fillRef idx="0">
+              <a:schemeClr val="accent1"/>
+            </a:fillRef>
+            <a:effectRef idx="1">
+              <a:schemeClr val="accent1"/>
+            </a:effectRef>
+            <a:fontRef idx="minor">
+              <a:schemeClr val="tx1"/>
+            </a:fontRef>
+          </p:style>
+        </p:cxnSp>
+        <p:cxnSp>
+          <p:nvCxnSpPr>
+            <p:cNvPr id="113" name="Straight Connector 112"/>
+            <p:cNvCxnSpPr/>
+            <p:nvPr/>
+          </p:nvCxnSpPr>
+          <p:spPr>
+            <a:xfrm>
+              <a:off x="2259263" y="1764632"/>
+              <a:ext cx="6684210" cy="0"/>
+            </a:xfrm>
+            <a:prstGeom prst="line">
+              <a:avLst/>
+            </a:prstGeom>
+            <a:ln>
+              <a:solidFill>
+                <a:schemeClr val="tx1"/>
+              </a:solidFill>
+            </a:ln>
+          </p:spPr>
+          <p:style>
+            <a:lnRef idx="2">
+              <a:schemeClr val="accent1"/>
+            </a:lnRef>
+            <a:fillRef idx="0">
+              <a:schemeClr val="accent1"/>
+            </a:fillRef>
+            <a:effectRef idx="1">
+              <a:schemeClr val="accent1"/>
+            </a:effectRef>
+            <a:fontRef idx="minor">
+              <a:schemeClr val="tx1"/>
+            </a:fontRef>
+          </p:style>
+        </p:cxnSp>
+        <p:cxnSp>
+          <p:nvCxnSpPr>
+            <p:cNvPr id="114" name="Straight Connector 113"/>
+            <p:cNvCxnSpPr/>
+            <p:nvPr/>
+          </p:nvCxnSpPr>
+          <p:spPr>
+            <a:xfrm>
+              <a:off x="204271" y="3783263"/>
+              <a:ext cx="2054992" cy="0"/>
+            </a:xfrm>
+            <a:prstGeom prst="line">
+              <a:avLst/>
+            </a:prstGeom>
+            <a:ln>
+              <a:solidFill>
+                <a:schemeClr val="tx1"/>
+              </a:solidFill>
+            </a:ln>
+          </p:spPr>
+          <p:style>
+            <a:lnRef idx="2">
+              <a:schemeClr val="accent1"/>
+            </a:lnRef>
+            <a:fillRef idx="0">
+              <a:schemeClr val="accent1"/>
+            </a:fillRef>
+            <a:effectRef idx="1">
+              <a:schemeClr val="accent1"/>
+            </a:effectRef>
+            <a:fontRef idx="minor">
+              <a:schemeClr val="tx1"/>
+            </a:fontRef>
+          </p:style>
+        </p:cxnSp>
+        <p:cxnSp>
+          <p:nvCxnSpPr>
+            <p:cNvPr id="119" name="Straight Connector 118"/>
+            <p:cNvCxnSpPr/>
+            <p:nvPr/>
+          </p:nvCxnSpPr>
+          <p:spPr>
+            <a:xfrm>
+              <a:off x="2259263" y="1764632"/>
+              <a:ext cx="0" cy="2018631"/>
+            </a:xfrm>
+            <a:prstGeom prst="line">
+              <a:avLst/>
+            </a:prstGeom>
+            <a:ln>
+              <a:solidFill>
+                <a:schemeClr val="tx1"/>
+              </a:solidFill>
+            </a:ln>
+          </p:spPr>
+          <p:style>
+            <a:lnRef idx="2">
+              <a:schemeClr val="accent1"/>
+            </a:lnRef>
+            <a:fillRef idx="0">
+              <a:schemeClr val="accent1"/>
+            </a:fillRef>
+            <a:effectRef idx="1">
+              <a:schemeClr val="accent1"/>
+            </a:effectRef>
+            <a:fontRef idx="minor">
+              <a:schemeClr val="tx1"/>
+            </a:fontRef>
+          </p:style>
+        </p:cxnSp>
+        <p:cxnSp>
+          <p:nvCxnSpPr>
+            <p:cNvPr id="121" name="Straight Arrow Connector 120"/>
+            <p:cNvCxnSpPr>
+              <a:stCxn id="4" idx="3"/>
+              <a:endCxn id="5" idx="1"/>
+            </p:cNvCxnSpPr>
+            <p:nvPr/>
+          </p:nvCxnSpPr>
+          <p:spPr>
+            <a:xfrm flipV="1">
+              <a:off x="1955613" y="2987260"/>
+              <a:ext cx="496049" cy="4756"/>
+            </a:xfrm>
+            <a:prstGeom prst="straightConnector1">
+              <a:avLst/>
+            </a:prstGeom>
+            <a:ln>
+              <a:tailEnd type="arrow"/>
+            </a:ln>
+          </p:spPr>
+          <p:style>
+            <a:lnRef idx="2">
+              <a:schemeClr val="accent1"/>
+            </a:lnRef>
+            <a:fillRef idx="0">
+              <a:schemeClr val="accent1"/>
+            </a:fillRef>
+            <a:effectRef idx="1">
+              <a:schemeClr val="accent1"/>
+            </a:effectRef>
+            <a:fontRef idx="minor">
+              <a:schemeClr val="tx1"/>
+            </a:fontRef>
+          </p:style>
+        </p:cxnSp>
+      </p:grpSp>
     </p:spTree>
     <p:extLst>
       <p:ext uri="{BB962C8B-B14F-4D97-AF65-F5344CB8AC3E}">
